--- a/DESY - Updates Week 1&2.pptx
+++ b/DESY - Updates Week 1&2.pptx
@@ -20,6 +20,7 @@
     <p:sldId id="270" r:id="rId14"/>
     <p:sldId id="267" r:id="rId15"/>
     <p:sldId id="269" r:id="rId16"/>
+    <p:sldId id="272" r:id="rId17"/>
   </p:sldIdLst>
   <p:sldSz cx="12192000" cy="6858000"/>
   <p:notesSz cx="6858000" cy="9144000"/>
@@ -283,7 +284,7 @@
           <a:p>
             <a:fld id="{D7372FC6-4D43-4DB6-BC65-E4696EEACAEB}" type="datetimeFigureOut">
               <a:rPr lang="en-GB" smtClean="0"/>
-              <a:t>29/07/2023</a:t>
+              <a:t>30/07/2023</a:t>
             </a:fld>
             <a:endParaRPr lang="en-GB"/>
           </a:p>
@@ -483,7 +484,7 @@
           <a:p>
             <a:fld id="{D7372FC6-4D43-4DB6-BC65-E4696EEACAEB}" type="datetimeFigureOut">
               <a:rPr lang="en-GB" smtClean="0"/>
-              <a:t>29/07/2023</a:t>
+              <a:t>30/07/2023</a:t>
             </a:fld>
             <a:endParaRPr lang="en-GB"/>
           </a:p>
@@ -693,7 +694,7 @@
           <a:p>
             <a:fld id="{D7372FC6-4D43-4DB6-BC65-E4696EEACAEB}" type="datetimeFigureOut">
               <a:rPr lang="en-GB" smtClean="0"/>
-              <a:t>29/07/2023</a:t>
+              <a:t>30/07/2023</a:t>
             </a:fld>
             <a:endParaRPr lang="en-GB"/>
           </a:p>
@@ -893,7 +894,7 @@
           <a:p>
             <a:fld id="{D7372FC6-4D43-4DB6-BC65-E4696EEACAEB}" type="datetimeFigureOut">
               <a:rPr lang="en-GB" smtClean="0"/>
-              <a:t>29/07/2023</a:t>
+              <a:t>30/07/2023</a:t>
             </a:fld>
             <a:endParaRPr lang="en-GB"/>
           </a:p>
@@ -1169,7 +1170,7 @@
           <a:p>
             <a:fld id="{D7372FC6-4D43-4DB6-BC65-E4696EEACAEB}" type="datetimeFigureOut">
               <a:rPr lang="en-GB" smtClean="0"/>
-              <a:t>29/07/2023</a:t>
+              <a:t>30/07/2023</a:t>
             </a:fld>
             <a:endParaRPr lang="en-GB"/>
           </a:p>
@@ -1437,7 +1438,7 @@
           <a:p>
             <a:fld id="{D7372FC6-4D43-4DB6-BC65-E4696EEACAEB}" type="datetimeFigureOut">
               <a:rPr lang="en-GB" smtClean="0"/>
-              <a:t>29/07/2023</a:t>
+              <a:t>30/07/2023</a:t>
             </a:fld>
             <a:endParaRPr lang="en-GB"/>
           </a:p>
@@ -1852,7 +1853,7 @@
           <a:p>
             <a:fld id="{D7372FC6-4D43-4DB6-BC65-E4696EEACAEB}" type="datetimeFigureOut">
               <a:rPr lang="en-GB" smtClean="0"/>
-              <a:t>29/07/2023</a:t>
+              <a:t>30/07/2023</a:t>
             </a:fld>
             <a:endParaRPr lang="en-GB"/>
           </a:p>
@@ -1994,7 +1995,7 @@
           <a:p>
             <a:fld id="{D7372FC6-4D43-4DB6-BC65-E4696EEACAEB}" type="datetimeFigureOut">
               <a:rPr lang="en-GB" smtClean="0"/>
-              <a:t>29/07/2023</a:t>
+              <a:t>30/07/2023</a:t>
             </a:fld>
             <a:endParaRPr lang="en-GB"/>
           </a:p>
@@ -2107,7 +2108,7 @@
           <a:p>
             <a:fld id="{D7372FC6-4D43-4DB6-BC65-E4696EEACAEB}" type="datetimeFigureOut">
               <a:rPr lang="en-GB" smtClean="0"/>
-              <a:t>29/07/2023</a:t>
+              <a:t>30/07/2023</a:t>
             </a:fld>
             <a:endParaRPr lang="en-GB"/>
           </a:p>
@@ -2420,7 +2421,7 @@
           <a:p>
             <a:fld id="{D7372FC6-4D43-4DB6-BC65-E4696EEACAEB}" type="datetimeFigureOut">
               <a:rPr lang="en-GB" smtClean="0"/>
-              <a:t>29/07/2023</a:t>
+              <a:t>30/07/2023</a:t>
             </a:fld>
             <a:endParaRPr lang="en-GB"/>
           </a:p>
@@ -2709,7 +2710,7 @@
           <a:p>
             <a:fld id="{D7372FC6-4D43-4DB6-BC65-E4696EEACAEB}" type="datetimeFigureOut">
               <a:rPr lang="en-GB" smtClean="0"/>
-              <a:t>29/07/2023</a:t>
+              <a:t>30/07/2023</a:t>
             </a:fld>
             <a:endParaRPr lang="en-GB"/>
           </a:p>
@@ -2952,7 +2953,7 @@
           <a:p>
             <a:fld id="{D7372FC6-4D43-4DB6-BC65-E4696EEACAEB}" type="datetimeFigureOut">
               <a:rPr lang="en-GB" smtClean="0"/>
-              <a:t>29/07/2023</a:t>
+              <a:t>30/07/2023</a:t>
             </a:fld>
             <a:endParaRPr lang="en-GB"/>
           </a:p>
@@ -3391,7 +3392,7 @@
           <a:lstStyle/>
           <a:p>
             <a:r>
-              <a:rPr lang="en-GB" dirty="0"/>
+              <a:rPr lang="en-GB" b="1" dirty="0"/>
               <a:t>Project Update</a:t>
             </a:r>
           </a:p>
@@ -4245,7 +4246,12 @@
             <p:ph idx="1"/>
           </p:nvPr>
         </p:nvSpPr>
-        <p:spPr/>
+        <p:spPr>
+          <a:xfrm>
+            <a:off x="838200" y="1445342"/>
+            <a:ext cx="10515600" cy="5152103"/>
+          </a:xfrm>
+        </p:spPr>
         <p:txBody>
           <a:bodyPr>
             <a:normAutofit lnSpcReduction="10000"/>
@@ -4286,7 +4292,22 @@
             <a:pPr lvl="1"/>
             <a:r>
               <a:rPr lang="en-GB" dirty="0"/>
-              <a:t>Input pulses at different beam energies</a:t>
+              <a:t>Input pulses at different beam energies (75mW, 150mW, 300mW)</a:t>
+            </a:r>
+          </a:p>
+          <a:p>
+            <a:pPr lvl="1"/>
+            <a:r>
+              <a:rPr lang="en-GB" dirty="0"/>
+              <a:t>UV spectra at different beam energies and gas pressures (already on </a:t>
+            </a:r>
+            <a:r>
+              <a:rPr lang="en-GB" dirty="0" err="1"/>
+              <a:t>Sync&amp;Share</a:t>
+            </a:r>
+            <a:r>
+              <a:rPr lang="en-GB" dirty="0"/>
+              <a:t>?)</a:t>
             </a:r>
           </a:p>
           <a:p>
@@ -4307,6 +4328,388 @@
     <p:extLst>
       <p:ext uri="{BB962C8B-B14F-4D97-AF65-F5344CB8AC3E}">
         <p14:creationId xmlns:p14="http://schemas.microsoft.com/office/powerpoint/2010/main" val="4285195583"/>
+      </p:ext>
+    </p:extLst>
+  </p:cSld>
+  <p:clrMapOvr>
+    <a:masterClrMapping/>
+  </p:clrMapOvr>
+</p:sld>
+</file>
+
+<file path=ppt/slides/slide16.xml><?xml version="1.0" encoding="utf-8"?>
+<p:sld xmlns:a="http://schemas.openxmlformats.org/drawingml/2006/main" xmlns:r="http://schemas.openxmlformats.org/officeDocument/2006/relationships" xmlns:p="http://schemas.openxmlformats.org/presentationml/2006/main">
+  <p:cSld>
+    <p:spTree>
+      <p:nvGrpSpPr>
+        <p:cNvPr id="1" name=""/>
+        <p:cNvGrpSpPr/>
+        <p:nvPr/>
+      </p:nvGrpSpPr>
+      <p:grpSpPr>
+        <a:xfrm>
+          <a:off x="0" y="0"/>
+          <a:ext cx="0" cy="0"/>
+          <a:chOff x="0" y="0"/>
+          <a:chExt cx="0" cy="0"/>
+        </a:xfrm>
+      </p:grpSpPr>
+      <p:sp>
+        <p:nvSpPr>
+          <p:cNvPr id="2" name="Title 1">
+            <a:extLst>
+              <a:ext uri="{FF2B5EF4-FFF2-40B4-BE49-F238E27FC236}">
+                <a16:creationId xmlns:a16="http://schemas.microsoft.com/office/drawing/2014/main" id="{28B3E027-C35C-A536-1B96-D468FFF0DD98}"/>
+              </a:ext>
+            </a:extLst>
+          </p:cNvPr>
+          <p:cNvSpPr>
+            <a:spLocks noGrp="1"/>
+          </p:cNvSpPr>
+          <p:nvPr>
+            <p:ph type="title"/>
+          </p:nvPr>
+        </p:nvSpPr>
+        <p:spPr/>
+        <p:txBody>
+          <a:bodyPr/>
+          <a:lstStyle/>
+          <a:p>
+            <a:r>
+              <a:rPr lang="en-GB" b="1" u="sng" dirty="0"/>
+              <a:t>Next steps</a:t>
+            </a:r>
+          </a:p>
+        </p:txBody>
+      </p:sp>
+      <p:sp>
+        <p:nvSpPr>
+          <p:cNvPr id="3" name="Content Placeholder 2">
+            <a:extLst>
+              <a:ext uri="{FF2B5EF4-FFF2-40B4-BE49-F238E27FC236}">
+                <a16:creationId xmlns:a16="http://schemas.microsoft.com/office/drawing/2014/main" id="{A66C95C4-3539-88F9-DFB2-8A6134D1E7D0}"/>
+              </a:ext>
+            </a:extLst>
+          </p:cNvPr>
+          <p:cNvSpPr>
+            <a:spLocks noGrp="1"/>
+          </p:cNvSpPr>
+          <p:nvPr>
+            <p:ph idx="1"/>
+          </p:nvPr>
+        </p:nvSpPr>
+        <p:spPr>
+          <a:xfrm>
+            <a:off x="838200" y="1501160"/>
+            <a:ext cx="4894006" cy="4351338"/>
+          </a:xfrm>
+        </p:spPr>
+        <p:txBody>
+          <a:bodyPr/>
+          <a:lstStyle/>
+          <a:p>
+            <a:pPr marL="0" indent="0">
+              <a:buNone/>
+            </a:pPr>
+            <a:r>
+              <a:rPr lang="en-GB" dirty="0"/>
+              <a:t>Carried out a test run at 1.6bar:</a:t>
+            </a:r>
+          </a:p>
+          <a:p>
+            <a:r>
+              <a:rPr lang="en-GB" b="1" dirty="0">
+                <a:solidFill>
+                  <a:srgbClr val="FF0000"/>
+                </a:solidFill>
+              </a:rPr>
+              <a:t>No evidence of filamentation!</a:t>
+            </a:r>
+          </a:p>
+          <a:p>
+            <a:pPr lvl="1"/>
+            <a:r>
+              <a:rPr lang="en-GB" dirty="0"/>
+              <a:t>Density model breaks down at high central pressure?</a:t>
+            </a:r>
+          </a:p>
+          <a:p>
+            <a:pPr lvl="1"/>
+            <a:r>
+              <a:rPr lang="en-GB" dirty="0"/>
+              <a:t>Missing nonlinear effect?</a:t>
+            </a:r>
+          </a:p>
+        </p:txBody>
+      </p:sp>
+      <p:pic>
+        <p:nvPicPr>
+          <p:cNvPr id="5" name="Picture 4" descr="A screenshot of a graph&#10;&#10;Description automatically generated">
+            <a:extLst>
+              <a:ext uri="{FF2B5EF4-FFF2-40B4-BE49-F238E27FC236}">
+                <a16:creationId xmlns:a16="http://schemas.microsoft.com/office/drawing/2014/main" id="{D95C4DA0-9B75-B756-5939-5062DEC48712}"/>
+              </a:ext>
+            </a:extLst>
+          </p:cNvPr>
+          <p:cNvPicPr>
+            <a:picLocks noChangeAspect="1"/>
+          </p:cNvPicPr>
+          <p:nvPr/>
+        </p:nvPicPr>
+        <p:blipFill>
+          <a:blip r:embed="rId2">
+            <a:extLst>
+              <a:ext uri="{28A0092B-C50C-407E-A947-70E740481C1C}">
+                <a14:useLocalDpi xmlns:a14="http://schemas.microsoft.com/office/drawing/2010/main" val="0"/>
+              </a:ext>
+            </a:extLst>
+          </a:blip>
+          <a:stretch>
+            <a:fillRect/>
+          </a:stretch>
+        </p:blipFill>
+        <p:spPr>
+          <a:xfrm>
+            <a:off x="3000945" y="3504909"/>
+            <a:ext cx="4359018" cy="3353091"/>
+          </a:xfrm>
+          <a:prstGeom prst="rect">
+            <a:avLst/>
+          </a:prstGeom>
+        </p:spPr>
+      </p:pic>
+      <p:pic>
+        <p:nvPicPr>
+          <p:cNvPr id="7" name="Picture 6" descr="A graph with red lines&#10;&#10;Description automatically generated">
+            <a:extLst>
+              <a:ext uri="{FF2B5EF4-FFF2-40B4-BE49-F238E27FC236}">
+                <a16:creationId xmlns:a16="http://schemas.microsoft.com/office/drawing/2014/main" id="{9102742E-92A9-42C2-91F9-606D9DAB2743}"/>
+              </a:ext>
+            </a:extLst>
+          </p:cNvPr>
+          <p:cNvPicPr>
+            <a:picLocks noChangeAspect="1"/>
+          </p:cNvPicPr>
+          <p:nvPr/>
+        </p:nvPicPr>
+        <p:blipFill>
+          <a:blip r:embed="rId3">
+            <a:extLst>
+              <a:ext uri="{28A0092B-C50C-407E-A947-70E740481C1C}">
+                <a14:useLocalDpi xmlns:a14="http://schemas.microsoft.com/office/drawing/2010/main" val="0"/>
+              </a:ext>
+            </a:extLst>
+          </a:blip>
+          <a:stretch>
+            <a:fillRect/>
+          </a:stretch>
+        </p:blipFill>
+        <p:spPr>
+          <a:xfrm>
+            <a:off x="7549751" y="3676829"/>
+            <a:ext cx="4237087" cy="3276884"/>
+          </a:xfrm>
+          <a:prstGeom prst="rect">
+            <a:avLst/>
+          </a:prstGeom>
+        </p:spPr>
+      </p:pic>
+      <p:pic>
+        <p:nvPicPr>
+          <p:cNvPr id="9" name="Picture 8" descr="A graph of energy and uv energy&#10;&#10;Description automatically generated">
+            <a:extLst>
+              <a:ext uri="{FF2B5EF4-FFF2-40B4-BE49-F238E27FC236}">
+                <a16:creationId xmlns:a16="http://schemas.microsoft.com/office/drawing/2014/main" id="{25B9FDD8-D3D5-FCA1-8B54-9068D453C3A2}"/>
+              </a:ext>
+            </a:extLst>
+          </p:cNvPr>
+          <p:cNvPicPr>
+            <a:picLocks noChangeAspect="1"/>
+          </p:cNvPicPr>
+          <p:nvPr/>
+        </p:nvPicPr>
+        <p:blipFill>
+          <a:blip r:embed="rId4">
+            <a:extLst>
+              <a:ext uri="{28A0092B-C50C-407E-A947-70E740481C1C}">
+                <a14:useLocalDpi xmlns:a14="http://schemas.microsoft.com/office/drawing/2010/main" val="0"/>
+              </a:ext>
+            </a:extLst>
+          </a:blip>
+          <a:stretch>
+            <a:fillRect/>
+          </a:stretch>
+        </p:blipFill>
+        <p:spPr>
+          <a:xfrm>
+            <a:off x="7170175" y="70971"/>
+            <a:ext cx="4996240" cy="3756089"/>
+          </a:xfrm>
+          <a:prstGeom prst="rect">
+            <a:avLst/>
+          </a:prstGeom>
+        </p:spPr>
+      </p:pic>
+      <p:sp>
+        <p:nvSpPr>
+          <p:cNvPr id="10" name="Rectangle 9">
+            <a:extLst>
+              <a:ext uri="{FF2B5EF4-FFF2-40B4-BE49-F238E27FC236}">
+                <a16:creationId xmlns:a16="http://schemas.microsoft.com/office/drawing/2014/main" id="{B2539029-ACC0-3CEB-48D1-FF48E4E85860}"/>
+              </a:ext>
+            </a:extLst>
+          </p:cNvPr>
+          <p:cNvSpPr/>
+          <p:nvPr/>
+        </p:nvSpPr>
+        <p:spPr>
+          <a:xfrm>
+            <a:off x="10047145" y="6243484"/>
+            <a:ext cx="1525423" cy="353961"/>
+          </a:xfrm>
+          <a:prstGeom prst="rect">
+            <a:avLst/>
+          </a:prstGeom>
+          <a:noFill/>
+          <a:ln w="57150">
+            <a:solidFill>
+              <a:srgbClr val="7030A0"/>
+            </a:solidFill>
+          </a:ln>
+        </p:spPr>
+        <p:style>
+          <a:lnRef idx="2">
+            <a:schemeClr val="accent1">
+              <a:shade val="15000"/>
+            </a:schemeClr>
+          </a:lnRef>
+          <a:fillRef idx="1">
+            <a:schemeClr val="accent1"/>
+          </a:fillRef>
+          <a:effectRef idx="0">
+            <a:schemeClr val="accent1"/>
+          </a:effectRef>
+          <a:fontRef idx="minor">
+            <a:schemeClr val="lt1"/>
+          </a:fontRef>
+        </p:style>
+        <p:txBody>
+          <a:bodyPr rtlCol="0" anchor="ctr"/>
+          <a:lstStyle/>
+          <a:p>
+            <a:pPr algn="ctr"/>
+            <a:endParaRPr lang="en-GB"/>
+          </a:p>
+        </p:txBody>
+      </p:sp>
+      <p:sp>
+        <p:nvSpPr>
+          <p:cNvPr id="11" name="Rectangle 10">
+            <a:extLst>
+              <a:ext uri="{FF2B5EF4-FFF2-40B4-BE49-F238E27FC236}">
+                <a16:creationId xmlns:a16="http://schemas.microsoft.com/office/drawing/2014/main" id="{9C3BC76C-E4A8-2CAF-B10D-68CCB7B05FA3}"/>
+              </a:ext>
+            </a:extLst>
+          </p:cNvPr>
+          <p:cNvSpPr/>
+          <p:nvPr/>
+        </p:nvSpPr>
+        <p:spPr>
+          <a:xfrm>
+            <a:off x="5538343" y="6243483"/>
+            <a:ext cx="1525423" cy="353961"/>
+          </a:xfrm>
+          <a:prstGeom prst="rect">
+            <a:avLst/>
+          </a:prstGeom>
+          <a:noFill/>
+          <a:ln w="57150">
+            <a:solidFill>
+              <a:srgbClr val="FF0000"/>
+            </a:solidFill>
+          </a:ln>
+        </p:spPr>
+        <p:style>
+          <a:lnRef idx="2">
+            <a:schemeClr val="accent1">
+              <a:shade val="15000"/>
+            </a:schemeClr>
+          </a:lnRef>
+          <a:fillRef idx="1">
+            <a:schemeClr val="accent1"/>
+          </a:fillRef>
+          <a:effectRef idx="0">
+            <a:schemeClr val="accent1"/>
+          </a:effectRef>
+          <a:fontRef idx="minor">
+            <a:schemeClr val="lt1"/>
+          </a:fontRef>
+        </p:style>
+        <p:txBody>
+          <a:bodyPr rtlCol="0" anchor="ctr"/>
+          <a:lstStyle/>
+          <a:p>
+            <a:pPr algn="ctr"/>
+            <a:endParaRPr lang="en-GB"/>
+          </a:p>
+        </p:txBody>
+      </p:sp>
+      <p:sp>
+        <p:nvSpPr>
+          <p:cNvPr id="12" name="Rectangle 11">
+            <a:extLst>
+              <a:ext uri="{FF2B5EF4-FFF2-40B4-BE49-F238E27FC236}">
+                <a16:creationId xmlns:a16="http://schemas.microsoft.com/office/drawing/2014/main" id="{89261091-BE9C-732D-6043-CF03871FA680}"/>
+              </a:ext>
+            </a:extLst>
+          </p:cNvPr>
+          <p:cNvSpPr/>
+          <p:nvPr/>
+        </p:nvSpPr>
+        <p:spPr>
+          <a:xfrm>
+            <a:off x="7549751" y="2172929"/>
+            <a:ext cx="1525423" cy="353961"/>
+          </a:xfrm>
+          <a:prstGeom prst="rect">
+            <a:avLst/>
+          </a:prstGeom>
+          <a:noFill/>
+          <a:ln w="57150">
+            <a:solidFill>
+              <a:srgbClr val="7030A0"/>
+            </a:solidFill>
+          </a:ln>
+        </p:spPr>
+        <p:style>
+          <a:lnRef idx="2">
+            <a:schemeClr val="accent1">
+              <a:shade val="15000"/>
+            </a:schemeClr>
+          </a:lnRef>
+          <a:fillRef idx="1">
+            <a:schemeClr val="accent1"/>
+          </a:fillRef>
+          <a:effectRef idx="0">
+            <a:schemeClr val="accent1"/>
+          </a:effectRef>
+          <a:fontRef idx="minor">
+            <a:schemeClr val="lt1"/>
+          </a:fontRef>
+        </p:style>
+        <p:txBody>
+          <a:bodyPr rtlCol="0" anchor="ctr"/>
+          <a:lstStyle/>
+          <a:p>
+            <a:pPr algn="ctr"/>
+            <a:endParaRPr lang="en-GB"/>
+          </a:p>
+        </p:txBody>
+      </p:sp>
+    </p:spTree>
+    <p:extLst>
+      <p:ext uri="{BB962C8B-B14F-4D97-AF65-F5344CB8AC3E}">
+        <p14:creationId xmlns:p14="http://schemas.microsoft.com/office/powerpoint/2010/main" val="2578989307"/>
       </p:ext>
     </p:extLst>
   </p:cSld>
